--- a/Documentaion/Presentation.pptx
+++ b/Documentaion/Presentation.pptx
@@ -4019,7 +4019,7 @@
                           <a:latin typeface="Courier New" panose="02070309020205020404" charset="0"/>
                           <a:cs typeface="Courier New" panose="02070309020205020404" charset="0"/>
                         </a:rPr>
-                        <a:t>15%</a:t>
+                        <a:t>20%</a:t>
                       </a:r>
                       <a:endParaRPr lang="en-US" sz="2135" b="1">
                         <a:gradFill>
@@ -4153,7 +4153,7 @@
                           <a:latin typeface="Courier New" panose="02070309020205020404" charset="0"/>
                           <a:cs typeface="Courier New" panose="02070309020205020404" charset="0"/>
                         </a:rPr>
-                        <a:t>2464 image</a:t>
+                        <a:t>2309 image</a:t>
                       </a:r>
                       <a:endParaRPr lang="en-US" sz="2135" b="1">
                         <a:gradFill>
@@ -4198,7 +4198,7 @@
                           <a:latin typeface="Courier New" panose="02070309020205020404" charset="0"/>
                           <a:cs typeface="Courier New" panose="02070309020205020404" charset="0"/>
                         </a:rPr>
-                        <a:t>617 image</a:t>
+                        <a:t>760 image</a:t>
                       </a:r>
                       <a:endParaRPr lang="en-US" sz="2135" b="1">
                         <a:gradFill>
